--- a/files/images/blog/figs.pptx
+++ b/files/images/blog/figs.pptx
@@ -104,6 +104,11 @@
       </a:defRPr>
     </a:lvl9pPr>
   </p:defaultTextStyle>
+  <p:extLst>
+    <p:ext uri="{EFAFB233-063F-42B5-8137-9DF3F51BA10A}">
+      <p15:sldGuideLst xmlns:p15="http://schemas.microsoft.com/office/powerpoint/2012/main"/>
+    </p:ext>
+  </p:extLst>
 </p:presentation>
 </file>
 
@@ -254,7 +259,7 @@
           <a:p>
             <a:fld id="{F0227C94-5D56-8B4B-A646-C85A9A0C9515}" type="datetimeFigureOut">
               <a:rPr lang="en-US" smtClean="0"/>
-              <a:t>11/30/24</a:t>
+              <a:t>12/1/24</a:t>
             </a:fld>
             <a:endParaRPr lang="en-US"/>
           </a:p>
@@ -452,7 +457,7 @@
           <a:p>
             <a:fld id="{F0227C94-5D56-8B4B-A646-C85A9A0C9515}" type="datetimeFigureOut">
               <a:rPr lang="en-US" smtClean="0"/>
-              <a:t>11/30/24</a:t>
+              <a:t>12/1/24</a:t>
             </a:fld>
             <a:endParaRPr lang="en-US"/>
           </a:p>
@@ -660,7 +665,7 @@
           <a:p>
             <a:fld id="{F0227C94-5D56-8B4B-A646-C85A9A0C9515}" type="datetimeFigureOut">
               <a:rPr lang="en-US" smtClean="0"/>
-              <a:t>11/30/24</a:t>
+              <a:t>12/1/24</a:t>
             </a:fld>
             <a:endParaRPr lang="en-US"/>
           </a:p>
@@ -858,7 +863,7 @@
           <a:p>
             <a:fld id="{F0227C94-5D56-8B4B-A646-C85A9A0C9515}" type="datetimeFigureOut">
               <a:rPr lang="en-US" smtClean="0"/>
-              <a:t>11/30/24</a:t>
+              <a:t>12/1/24</a:t>
             </a:fld>
             <a:endParaRPr lang="en-US"/>
           </a:p>
@@ -1133,7 +1138,7 @@
           <a:p>
             <a:fld id="{F0227C94-5D56-8B4B-A646-C85A9A0C9515}" type="datetimeFigureOut">
               <a:rPr lang="en-US" smtClean="0"/>
-              <a:t>11/30/24</a:t>
+              <a:t>12/1/24</a:t>
             </a:fld>
             <a:endParaRPr lang="en-US"/>
           </a:p>
@@ -1398,7 +1403,7 @@
           <a:p>
             <a:fld id="{F0227C94-5D56-8B4B-A646-C85A9A0C9515}" type="datetimeFigureOut">
               <a:rPr lang="en-US" smtClean="0"/>
-              <a:t>11/30/24</a:t>
+              <a:t>12/1/24</a:t>
             </a:fld>
             <a:endParaRPr lang="en-US"/>
           </a:p>
@@ -1810,7 +1815,7 @@
           <a:p>
             <a:fld id="{F0227C94-5D56-8B4B-A646-C85A9A0C9515}" type="datetimeFigureOut">
               <a:rPr lang="en-US" smtClean="0"/>
-              <a:t>11/30/24</a:t>
+              <a:t>12/1/24</a:t>
             </a:fld>
             <a:endParaRPr lang="en-US"/>
           </a:p>
@@ -1951,7 +1956,7 @@
           <a:p>
             <a:fld id="{F0227C94-5D56-8B4B-A646-C85A9A0C9515}" type="datetimeFigureOut">
               <a:rPr lang="en-US" smtClean="0"/>
-              <a:t>11/30/24</a:t>
+              <a:t>12/1/24</a:t>
             </a:fld>
             <a:endParaRPr lang="en-US"/>
           </a:p>
@@ -2064,7 +2069,7 @@
           <a:p>
             <a:fld id="{F0227C94-5D56-8B4B-A646-C85A9A0C9515}" type="datetimeFigureOut">
               <a:rPr lang="en-US" smtClean="0"/>
-              <a:t>11/30/24</a:t>
+              <a:t>12/1/24</a:t>
             </a:fld>
             <a:endParaRPr lang="en-US"/>
           </a:p>
@@ -2375,7 +2380,7 @@
           <a:p>
             <a:fld id="{F0227C94-5D56-8B4B-A646-C85A9A0C9515}" type="datetimeFigureOut">
               <a:rPr lang="en-US" smtClean="0"/>
-              <a:t>11/30/24</a:t>
+              <a:t>12/1/24</a:t>
             </a:fld>
             <a:endParaRPr lang="en-US"/>
           </a:p>
@@ -2663,7 +2668,7 @@
           <a:p>
             <a:fld id="{F0227C94-5D56-8B4B-A646-C85A9A0C9515}" type="datetimeFigureOut">
               <a:rPr lang="en-US" smtClean="0"/>
-              <a:t>11/30/24</a:t>
+              <a:t>12/1/24</a:t>
             </a:fld>
             <a:endParaRPr lang="en-US"/>
           </a:p>
@@ -2904,7 +2909,7 @@
           <a:p>
             <a:fld id="{F0227C94-5D56-8B4B-A646-C85A9A0C9515}" type="datetimeFigureOut">
               <a:rPr lang="en-US" smtClean="0"/>
-              <a:t>11/30/24</a:t>
+              <a:t>12/1/24</a:t>
             </a:fld>
             <a:endParaRPr lang="en-US"/>
           </a:p>
@@ -3376,9 +3381,9 @@
                 <a:solidFill>
                   <a:schemeClr val="tx1"/>
                 </a:solidFill>
-                <a:latin typeface="Avenir Book" panose="02000503020000020003" pitchFamily="2" charset="0"/>
+                <a:latin typeface="Avenir Next Medium" panose="020B0503020202020204" pitchFamily="34" charset="0"/>
               </a:rPr>
-              <a:t>Your Paper</a:t>
+              <a:t>Your Work</a:t>
             </a:r>
           </a:p>
         </p:txBody>
@@ -3426,7 +3431,7 @@
             <a:solidFill>
               <a:schemeClr val="bg1"/>
             </a:solidFill>
-            <a:ln w="28575">
+            <a:ln w="38100">
               <a:solidFill>
                 <a:srgbClr val="F33434"/>
               </a:solidFill>
@@ -3458,7 +3463,7 @@
                   <a:solidFill>
                     <a:srgbClr val="F33434"/>
                   </a:solidFill>
-                  <a:latin typeface="Avenir Book" panose="02000503020000020003" pitchFamily="2" charset="0"/>
+                  <a:latin typeface="Avenir Next Medium" panose="020B0503020202020204" pitchFamily="34" charset="0"/>
                 </a:rPr>
                 <a:t>0. Use Cases</a:t>
               </a:r>
@@ -3488,7 +3493,7 @@
             <a:solidFill>
               <a:schemeClr val="bg1"/>
             </a:solidFill>
-            <a:ln w="28575">
+            <a:ln w="38100">
               <a:solidFill>
                 <a:srgbClr val="F33434"/>
               </a:solidFill>
@@ -3520,7 +3525,7 @@
                   <a:solidFill>
                     <a:srgbClr val="F33434"/>
                   </a:solidFill>
-                  <a:latin typeface="Avenir Book" panose="02000503020000020003" pitchFamily="2" charset="0"/>
+                  <a:latin typeface="Avenir Next Medium" panose="020B0503020202020204" pitchFamily="34" charset="0"/>
                 </a:rPr>
                 <a:t>1. Problem</a:t>
               </a:r>
@@ -3550,7 +3555,7 @@
             <a:solidFill>
               <a:schemeClr val="bg1"/>
             </a:solidFill>
-            <a:ln w="28575">
+            <a:ln w="38100">
               <a:solidFill>
                 <a:srgbClr val="E858BB"/>
               </a:solidFill>
@@ -3582,7 +3587,7 @@
                   <a:solidFill>
                     <a:srgbClr val="E858BB"/>
                   </a:solidFill>
-                  <a:latin typeface="Avenir Book" panose="02000503020000020003" pitchFamily="2" charset="0"/>
+                  <a:latin typeface="Avenir Next Medium" panose="020B0503020202020204" pitchFamily="34" charset="0"/>
                 </a:rPr>
                 <a:t>2. Causes</a:t>
               </a:r>
@@ -3612,7 +3617,7 @@
             <a:solidFill>
               <a:schemeClr val="bg1"/>
             </a:solidFill>
-            <a:ln w="28575">
+            <a:ln w="38100">
               <a:solidFill>
                 <a:srgbClr val="0FACE8"/>
               </a:solidFill>
@@ -3644,7 +3649,7 @@
                   <a:solidFill>
                     <a:srgbClr val="0FACE8"/>
                   </a:solidFill>
-                  <a:latin typeface="Avenir Book" panose="02000503020000020003" pitchFamily="2" charset="0"/>
+                  <a:latin typeface="Avenir Next Medium" panose="020B0503020202020204" pitchFamily="34" charset="0"/>
                 </a:rPr>
                 <a:t>5. Metrics of success</a:t>
               </a:r>
@@ -3674,7 +3679,7 @@
             <a:solidFill>
               <a:schemeClr val="bg1"/>
             </a:solidFill>
-            <a:ln w="28575">
+            <a:ln w="38100">
               <a:solidFill>
                 <a:srgbClr val="0FACE8"/>
               </a:solidFill>
@@ -3706,7 +3711,7 @@
                   <a:solidFill>
                     <a:srgbClr val="0FACE8"/>
                   </a:solidFill>
-                  <a:latin typeface="Avenir Book" panose="02000503020000020003" pitchFamily="2" charset="0"/>
+                  <a:latin typeface="Avenir Next Medium" panose="020B0503020202020204" pitchFamily="34" charset="0"/>
                 </a:rPr>
                 <a:t>Better?</a:t>
               </a:r>
@@ -3737,7 +3742,7 @@
             <a:prstGeom prst="straightConnector1">
               <a:avLst/>
             </a:prstGeom>
-            <a:ln w="28575">
+            <a:ln w="38100">
               <a:solidFill>
                 <a:schemeClr val="tx1"/>
               </a:solidFill>
@@ -3783,7 +3788,7 @@
             <a:prstGeom prst="straightConnector1">
               <a:avLst/>
             </a:prstGeom>
-            <a:ln w="28575">
+            <a:ln w="38100">
               <a:solidFill>
                 <a:schemeClr val="tx1"/>
               </a:solidFill>
@@ -3829,7 +3834,7 @@
             <a:prstGeom prst="straightConnector1">
               <a:avLst/>
             </a:prstGeom>
-            <a:ln w="28575">
+            <a:ln w="38100">
               <a:solidFill>
                 <a:srgbClr val="F33434"/>
               </a:solidFill>
@@ -3874,7 +3879,7 @@
             <a:solidFill>
               <a:schemeClr val="bg1"/>
             </a:solidFill>
-            <a:ln w="28575">
+            <a:ln w="38100">
               <a:solidFill>
                 <a:srgbClr val="F38234"/>
               </a:solidFill>
@@ -3906,7 +3911,7 @@
                   <a:solidFill>
                     <a:srgbClr val="F38234"/>
                   </a:solidFill>
-                  <a:latin typeface="Avenir Book" panose="02000503020000020003" pitchFamily="2" charset="0"/>
+                  <a:latin typeface="Avenir Next Medium" panose="020B0503020202020204" pitchFamily="34" charset="0"/>
                 </a:rPr>
                 <a:t>4. Solutions</a:t>
               </a:r>
@@ -3936,7 +3941,7 @@
             <a:solidFill>
               <a:schemeClr val="bg1"/>
             </a:solidFill>
-            <a:ln w="28575">
+            <a:ln w="38100">
               <a:solidFill>
                 <a:srgbClr val="E858BB"/>
               </a:solidFill>
@@ -3968,7 +3973,7 @@
                   <a:solidFill>
                     <a:srgbClr val="E858BB"/>
                   </a:solidFill>
-                  <a:latin typeface="Avenir Book" panose="02000503020000020003" pitchFamily="2" charset="0"/>
+                  <a:latin typeface="Avenir Next Medium" panose="020B0503020202020204" pitchFamily="34" charset="0"/>
                 </a:rPr>
                 <a:t>3. Insight</a:t>
               </a:r>
@@ -3990,7 +3995,7 @@
           <p:spPr>
             <a:xfrm>
               <a:off x="7373074" y="985780"/>
-              <a:ext cx="1775321" cy="381963"/>
+              <a:ext cx="1878229" cy="381963"/>
             </a:xfrm>
             <a:prstGeom prst="roundRect">
               <a:avLst/>
@@ -3998,7 +4003,7 @@
             <a:solidFill>
               <a:schemeClr val="bg1"/>
             </a:solidFill>
-            <a:ln w="28575">
+            <a:ln w="38100">
               <a:solidFill>
                 <a:srgbClr val="0FACE8"/>
               </a:solidFill>
@@ -4030,7 +4035,7 @@
                   <a:solidFill>
                     <a:srgbClr val="0FACE8"/>
                   </a:solidFill>
-                  <a:latin typeface="Avenir Book" panose="02000503020000020003" pitchFamily="2" charset="0"/>
+                  <a:latin typeface="Avenir Next Medium" panose="020B0503020202020204" pitchFamily="34" charset="0"/>
                 </a:rPr>
                 <a:t>6. Experiments</a:t>
               </a:r>
@@ -4061,7 +4066,7 @@
             <a:prstGeom prst="straightConnector1">
               <a:avLst/>
             </a:prstGeom>
-            <a:ln w="28575">
+            <a:ln w="38100">
               <a:solidFill>
                 <a:schemeClr val="tx1"/>
               </a:solidFill>
@@ -4107,7 +4112,7 @@
             <a:prstGeom prst="straightConnector1">
               <a:avLst/>
             </a:prstGeom>
-            <a:ln w="28575">
+            <a:ln w="38100">
               <a:solidFill>
                 <a:schemeClr val="tx1"/>
               </a:solidFill>
@@ -4153,7 +4158,7 @@
             <a:prstGeom prst="curvedConnector2">
               <a:avLst/>
             </a:prstGeom>
-            <a:ln w="28575">
+            <a:ln w="38100">
               <a:solidFill>
                 <a:srgbClr val="E858BB"/>
               </a:solidFill>
@@ -4193,13 +4198,13 @@
           </p:nvCxnSpPr>
           <p:spPr>
             <a:xfrm>
-              <a:off x="9148395" y="1176762"/>
-              <a:ext cx="320592" cy="572948"/>
+              <a:off x="9251303" y="1176762"/>
+              <a:ext cx="217684" cy="572948"/>
             </a:xfrm>
             <a:prstGeom prst="curvedConnector2">
               <a:avLst/>
             </a:prstGeom>
-            <a:ln w="28575">
+            <a:ln w="38100">
               <a:solidFill>
                 <a:srgbClr val="0FACE8"/>
               </a:solidFill>
@@ -4239,13 +4244,13 @@
           </p:nvCxnSpPr>
           <p:spPr>
             <a:xfrm rot="5400000" flipH="1" flipV="1">
-              <a:off x="7504253" y="979726"/>
-              <a:ext cx="368464" cy="1144499"/>
+              <a:off x="7529980" y="953999"/>
+              <a:ext cx="368464" cy="1195953"/>
             </a:xfrm>
             <a:prstGeom prst="curvedConnector3">
               <a:avLst/>
             </a:prstGeom>
-            <a:ln w="28575">
+            <a:ln w="38100">
               <a:solidFill>
                 <a:srgbClr val="0FACE8"/>
               </a:solidFill>
@@ -4327,9 +4332,9 @@
                     <a:lumMod val="50000"/>
                   </a:schemeClr>
                 </a:solidFill>
-                <a:latin typeface="Avenir Book" panose="02000503020000020003" pitchFamily="2" charset="0"/>
+                <a:latin typeface="Avenir Next Medium" panose="020B0503020202020204" pitchFamily="34" charset="0"/>
               </a:rPr>
-              <a:t>Their Paper</a:t>
+              <a:t>Their Work</a:t>
             </a:r>
           </a:p>
         </p:txBody>

--- a/files/images/blog/figs.pptx
+++ b/files/images/blog/figs.pptx
@@ -259,7 +259,7 @@
           <a:p>
             <a:fld id="{F0227C94-5D56-8B4B-A646-C85A9A0C9515}" type="datetimeFigureOut">
               <a:rPr lang="en-US" smtClean="0"/>
-              <a:t>12/1/24</a:t>
+              <a:t>12/2/24</a:t>
             </a:fld>
             <a:endParaRPr lang="en-US"/>
           </a:p>
@@ -457,7 +457,7 @@
           <a:p>
             <a:fld id="{F0227C94-5D56-8B4B-A646-C85A9A0C9515}" type="datetimeFigureOut">
               <a:rPr lang="en-US" smtClean="0"/>
-              <a:t>12/1/24</a:t>
+              <a:t>12/2/24</a:t>
             </a:fld>
             <a:endParaRPr lang="en-US"/>
           </a:p>
@@ -665,7 +665,7 @@
           <a:p>
             <a:fld id="{F0227C94-5D56-8B4B-A646-C85A9A0C9515}" type="datetimeFigureOut">
               <a:rPr lang="en-US" smtClean="0"/>
-              <a:t>12/1/24</a:t>
+              <a:t>12/2/24</a:t>
             </a:fld>
             <a:endParaRPr lang="en-US"/>
           </a:p>
@@ -863,7 +863,7 @@
           <a:p>
             <a:fld id="{F0227C94-5D56-8B4B-A646-C85A9A0C9515}" type="datetimeFigureOut">
               <a:rPr lang="en-US" smtClean="0"/>
-              <a:t>12/1/24</a:t>
+              <a:t>12/2/24</a:t>
             </a:fld>
             <a:endParaRPr lang="en-US"/>
           </a:p>
@@ -1138,7 +1138,7 @@
           <a:p>
             <a:fld id="{F0227C94-5D56-8B4B-A646-C85A9A0C9515}" type="datetimeFigureOut">
               <a:rPr lang="en-US" smtClean="0"/>
-              <a:t>12/1/24</a:t>
+              <a:t>12/2/24</a:t>
             </a:fld>
             <a:endParaRPr lang="en-US"/>
           </a:p>
@@ -1403,7 +1403,7 @@
           <a:p>
             <a:fld id="{F0227C94-5D56-8B4B-A646-C85A9A0C9515}" type="datetimeFigureOut">
               <a:rPr lang="en-US" smtClean="0"/>
-              <a:t>12/1/24</a:t>
+              <a:t>12/2/24</a:t>
             </a:fld>
             <a:endParaRPr lang="en-US"/>
           </a:p>
@@ -1815,7 +1815,7 @@
           <a:p>
             <a:fld id="{F0227C94-5D56-8B4B-A646-C85A9A0C9515}" type="datetimeFigureOut">
               <a:rPr lang="en-US" smtClean="0"/>
-              <a:t>12/1/24</a:t>
+              <a:t>12/2/24</a:t>
             </a:fld>
             <a:endParaRPr lang="en-US"/>
           </a:p>
@@ -1956,7 +1956,7 @@
           <a:p>
             <a:fld id="{F0227C94-5D56-8B4B-A646-C85A9A0C9515}" type="datetimeFigureOut">
               <a:rPr lang="en-US" smtClean="0"/>
-              <a:t>12/1/24</a:t>
+              <a:t>12/2/24</a:t>
             </a:fld>
             <a:endParaRPr lang="en-US"/>
           </a:p>
@@ -2069,7 +2069,7 @@
           <a:p>
             <a:fld id="{F0227C94-5D56-8B4B-A646-C85A9A0C9515}" type="datetimeFigureOut">
               <a:rPr lang="en-US" smtClean="0"/>
-              <a:t>12/1/24</a:t>
+              <a:t>12/2/24</a:t>
             </a:fld>
             <a:endParaRPr lang="en-US"/>
           </a:p>
@@ -2380,7 +2380,7 @@
           <a:p>
             <a:fld id="{F0227C94-5D56-8B4B-A646-C85A9A0C9515}" type="datetimeFigureOut">
               <a:rPr lang="en-US" smtClean="0"/>
-              <a:t>12/1/24</a:t>
+              <a:t>12/2/24</a:t>
             </a:fld>
             <a:endParaRPr lang="en-US"/>
           </a:p>
@@ -2668,7 +2668,7 @@
           <a:p>
             <a:fld id="{F0227C94-5D56-8B4B-A646-C85A9A0C9515}" type="datetimeFigureOut">
               <a:rPr lang="en-US" smtClean="0"/>
-              <a:t>12/1/24</a:t>
+              <a:t>12/2/24</a:t>
             </a:fld>
             <a:endParaRPr lang="en-US"/>
           </a:p>
@@ -2909,7 +2909,7 @@
           <a:p>
             <a:fld id="{F0227C94-5D56-8B4B-A646-C85A9A0C9515}" type="datetimeFigureOut">
               <a:rPr lang="en-US" smtClean="0"/>
-              <a:t>12/1/24</a:t>
+              <a:t>12/2/24</a:t>
             </a:fld>
             <a:endParaRPr lang="en-US"/>
           </a:p>
@@ -4037,7 +4037,7 @@
                   </a:solidFill>
                   <a:latin typeface="Avenir Next Medium" panose="020B0503020202020204" pitchFamily="34" charset="0"/>
                 </a:rPr>
-                <a:t>6. Experiments</a:t>
+                <a:t>6. Evaluation</a:t>
               </a:r>
             </a:p>
           </p:txBody>
